--- a/Batch-11/Proff Lecture Material/1. INTRODUCTION TO CLOUD COMPUTING.pptx
+++ b/Batch-11/Proff Lecture Material/1. INTRODUCTION TO CLOUD COMPUTING.pptx
@@ -218,7 +218,7 @@
             <a:fld id="{08FC5E1F-D482-47F1-8EF1-8D2A4BECC6A9}" type="datetimeFigureOut">
               <a:rPr lang="en-US" smtClean="0"/>
               <a:pPr/>
-              <a:t>1/17/2023</a:t>
+              <a:t>9/9/2023</a:t>
             </a:fld>
             <a:endParaRPr lang="en-US"/>
           </a:p>
@@ -737,7 +737,7 @@
             <a:fld id="{65209A39-6C6C-41E2-9F21-AD18AC686941}" type="datetimeFigureOut">
               <a:rPr lang="en-US" smtClean="0"/>
               <a:pPr/>
-              <a:t>1/17/2023</a:t>
+              <a:t>9/9/2023</a:t>
             </a:fld>
             <a:endParaRPr lang="en-US"/>
           </a:p>
@@ -903,7 +903,7 @@
             <a:fld id="{65209A39-6C6C-41E2-9F21-AD18AC686941}" type="datetimeFigureOut">
               <a:rPr lang="en-US" smtClean="0"/>
               <a:pPr/>
-              <a:t>1/17/2023</a:t>
+              <a:t>9/9/2023</a:t>
             </a:fld>
             <a:endParaRPr lang="en-US"/>
           </a:p>
@@ -1079,7 +1079,7 @@
             <a:fld id="{65209A39-6C6C-41E2-9F21-AD18AC686941}" type="datetimeFigureOut">
               <a:rPr lang="en-US" smtClean="0"/>
               <a:pPr/>
-              <a:t>1/17/2023</a:t>
+              <a:t>9/9/2023</a:t>
             </a:fld>
             <a:endParaRPr lang="en-US"/>
           </a:p>
@@ -1245,7 +1245,7 @@
             <a:fld id="{65209A39-6C6C-41E2-9F21-AD18AC686941}" type="datetimeFigureOut">
               <a:rPr lang="en-US" smtClean="0"/>
               <a:pPr/>
-              <a:t>1/17/2023</a:t>
+              <a:t>9/9/2023</a:t>
             </a:fld>
             <a:endParaRPr lang="en-US"/>
           </a:p>
@@ -1488,7 +1488,7 @@
             <a:fld id="{65209A39-6C6C-41E2-9F21-AD18AC686941}" type="datetimeFigureOut">
               <a:rPr lang="en-US" smtClean="0"/>
               <a:pPr/>
-              <a:t>1/17/2023</a:t>
+              <a:t>9/9/2023</a:t>
             </a:fld>
             <a:endParaRPr lang="en-US"/>
           </a:p>
@@ -1753,7 +1753,7 @@
             <a:fld id="{65209A39-6C6C-41E2-9F21-AD18AC686941}" type="datetimeFigureOut">
               <a:rPr lang="en-US" smtClean="0"/>
               <a:pPr/>
-              <a:t>1/17/2023</a:t>
+              <a:t>9/9/2023</a:t>
             </a:fld>
             <a:endParaRPr lang="en-US"/>
           </a:p>
@@ -2132,7 +2132,7 @@
             <a:fld id="{65209A39-6C6C-41E2-9F21-AD18AC686941}" type="datetimeFigureOut">
               <a:rPr lang="en-US" smtClean="0"/>
               <a:pPr/>
-              <a:t>1/17/2023</a:t>
+              <a:t>9/9/2023</a:t>
             </a:fld>
             <a:endParaRPr lang="en-US"/>
           </a:p>
@@ -2283,7 +2283,7 @@
             <a:fld id="{65209A39-6C6C-41E2-9F21-AD18AC686941}" type="datetimeFigureOut">
               <a:rPr lang="en-US" smtClean="0"/>
               <a:pPr/>
-              <a:t>1/17/2023</a:t>
+              <a:t>9/9/2023</a:t>
             </a:fld>
             <a:endParaRPr lang="en-US"/>
           </a:p>
@@ -2375,7 +2375,7 @@
             <a:fld id="{65209A39-6C6C-41E2-9F21-AD18AC686941}" type="datetimeFigureOut">
               <a:rPr lang="en-US" smtClean="0"/>
               <a:pPr/>
-              <a:t>1/17/2023</a:t>
+              <a:t>9/9/2023</a:t>
             </a:fld>
             <a:endParaRPr lang="en-US"/>
           </a:p>
@@ -2637,7 +2637,7 @@
             <a:fld id="{65209A39-6C6C-41E2-9F21-AD18AC686941}" type="datetimeFigureOut">
               <a:rPr lang="en-US" smtClean="0"/>
               <a:pPr/>
-              <a:t>1/17/2023</a:t>
+              <a:t>9/9/2023</a:t>
             </a:fld>
             <a:endParaRPr lang="en-US"/>
           </a:p>
@@ -2926,7 +2926,7 @@
             <a:fld id="{65209A39-6C6C-41E2-9F21-AD18AC686941}" type="datetimeFigureOut">
               <a:rPr lang="en-US" smtClean="0"/>
               <a:pPr/>
-              <a:t>1/17/2023</a:t>
+              <a:t>9/9/2023</a:t>
             </a:fld>
             <a:endParaRPr lang="en-US"/>
           </a:p>
@@ -3697,7 +3697,7 @@
             <a:fld id="{65209A39-6C6C-41E2-9F21-AD18AC686941}" type="datetimeFigureOut">
               <a:rPr lang="en-US" smtClean="0"/>
               <a:pPr/>
-              <a:t>1/17/2023</a:t>
+              <a:t>9/9/2023</a:t>
             </a:fld>
             <a:endParaRPr lang="en-US"/>
           </a:p>
@@ -3996,6 +3996,64 @@
           </p:txBody>
         </p:sp>
       </p:grpSp>
+      <p:sp>
+        <p:nvSpPr>
+          <p:cNvPr id="14" name="Rectangle 13">
+            <a:extLst>
+              <a:ext uri="{FF2B5EF4-FFF2-40B4-BE49-F238E27FC236}">
+                <a16:creationId xmlns:a16="http://schemas.microsoft.com/office/drawing/2014/main" id="{F9EA08DE-7A7F-4F60-3605-EC7339554100}"/>
+              </a:ext>
+            </a:extLst>
+          </p:cNvPr>
+          <p:cNvSpPr/>
+          <p:nvPr userDrawn="1"/>
+        </p:nvSpPr>
+        <p:spPr>
+          <a:xfrm>
+            <a:off x="-43946" y="-47863"/>
+            <a:ext cx="1186946" cy="638176"/>
+          </a:xfrm>
+          <a:prstGeom prst="rect">
+            <a:avLst/>
+          </a:prstGeom>
+          <a:blipFill dpi="0" rotWithShape="1">
+            <a:blip r:embed="rId13">
+              <a:alphaModFix/>
+            </a:blip>
+            <a:srcRect/>
+            <a:stretch>
+              <a:fillRect l="3572" t="7143" r="3572" b="7143"/>
+            </a:stretch>
+          </a:blipFill>
+          <a:ln>
+            <a:noFill/>
+          </a:ln>
+        </p:spPr>
+        <p:style>
+          <a:lnRef idx="2">
+            <a:schemeClr val="accent1">
+              <a:shade val="15000"/>
+            </a:schemeClr>
+          </a:lnRef>
+          <a:fillRef idx="1">
+            <a:schemeClr val="accent1"/>
+          </a:fillRef>
+          <a:effectRef idx="0">
+            <a:schemeClr val="accent1"/>
+          </a:effectRef>
+          <a:fontRef idx="minor">
+            <a:schemeClr val="lt1"/>
+          </a:fontRef>
+        </p:style>
+        <p:txBody>
+          <a:bodyPr rtlCol="0" anchor="ctr"/>
+          <a:lstStyle/>
+          <a:p>
+            <a:pPr algn="ctr"/>
+            <a:endParaRPr lang="en-US"/>
+          </a:p>
+        </p:txBody>
+      </p:sp>
     </p:spTree>
   </p:cSld>
   <p:clrMap bg1="lt1" tx1="dk1" bg2="lt2" tx2="dk2" accent1="accent1" accent2="accent2" accent3="accent3" accent4="accent4" accent5="accent5" accent6="accent6" hlink="hlink" folHlink="folHlink"/>
@@ -4543,9 +4601,20 @@
         </p:spPr>
         <p:txBody>
           <a:bodyPr>
-            <a:normAutofit fontScale="92500" lnSpcReduction="20000"/>
+            <a:normAutofit fontScale="70000" lnSpcReduction="20000"/>
           </a:bodyPr>
           <a:lstStyle/>
+          <a:p>
+            <a:pPr>
+              <a:lnSpc>
+                <a:spcPct val="150000"/>
+              </a:lnSpc>
+            </a:pPr>
+            <a:r>
+              <a:rPr lang="en-US" b="1" dirty="0"/>
+              <a:t>What is Information Technology?</a:t>
+            </a:r>
+          </a:p>
           <a:p>
             <a:pPr>
               <a:lnSpc>
@@ -4697,7 +4766,15 @@
           <a:p>
             <a:r>
               <a:rPr lang="en-US" dirty="0"/>
-              <a:t>With cloud computing, you don’t need to make large up-front  investments in hardware/software and spend a lot of time managing  that resources.</a:t>
+              <a:t>With </a:t>
+            </a:r>
+            <a:r>
+              <a:rPr lang="en-US" b="1" dirty="0"/>
+              <a:t>cloud computing</a:t>
+            </a:r>
+            <a:r>
+              <a:rPr lang="en-US" dirty="0"/>
+              <a:t>, you don’t need to make large up-front  investments on hardware/software and spend a lot of time managing  that resources.</a:t>
             </a:r>
           </a:p>
         </p:txBody>
